--- a/ML - presentation.pptx
+++ b/ML - presentation.pptx
@@ -123,7 +123,7 @@
   </p:defaultTextStyle>
   <p:extLst>
     <p:ext uri="{EFAFB233-063F-42B5-8137-9DF3F51BA10A}">
-      <p15:sldGuideLst xmlns:p15="http://schemas.microsoft.com/office/powerpoint/2012/main" xmlns="">
+      <p15:sldGuideLst xmlns="" xmlns:p15="http://schemas.microsoft.com/office/powerpoint/2012/main">
         <p15:guide id="1" orient="horz" pos="1620">
           <p15:clr>
             <a:srgbClr val="A4A3A4"/>
@@ -143,11 +143,7 @@
 <file path=ppt/commentAuthors.xml><?xml version="1.0" encoding="utf-8"?>
 <p:cmAuthorLst xmlns:a="http://schemas.openxmlformats.org/drawingml/2006/main" xmlns:r="http://schemas.openxmlformats.org/officeDocument/2006/relationships" xmlns:p="http://schemas.openxmlformats.org/presentationml/2006/main">
   <p:cmAuthor id="1" name="Michał Woźniak" initials="MW" lastIdx="1" clrIdx="0">
-    <p:extLst>
-      <p:ext uri="{19B8F6BF-5375-455C-9EA6-DF929625EA0E}">
-        <p15:presenceInfo xmlns:p15="http://schemas.microsoft.com/office/powerpoint/2012/main" xmlns="" userId="ce1fca6dda594008" providerId="Windows Live"/>
-      </p:ext>
-    </p:extLst>
+    <p:extLst/>
   </p:cmAuthor>
 </p:cmAuthorLst>
 </file>
@@ -247,7 +243,7 @@
             <a:fld id="{989A2281-682E-4129-B612-2E08B3C35EBF}" type="datetimeFigureOut">
               <a:rPr lang="pl-PL" smtClean="0"/>
               <a:pPr/>
-              <a:t>02.06.2020</a:t>
+              <a:t>03.06.2020</a:t>
             </a:fld>
             <a:endParaRPr lang="pl-PL"/>
           </a:p>
@@ -415,6 +411,11 @@
         </p:txBody>
       </p:sp>
     </p:spTree>
+    <p:extLst>
+      <p:ext uri="{BB962C8B-B14F-4D97-AF65-F5344CB8AC3E}">
+        <p14:creationId xmlns:p14="http://schemas.microsoft.com/office/powerpoint/2010/main" val="1067741493"/>
+      </p:ext>
+    </p:extLst>
   </p:cSld>
   <p:clrMap bg1="lt1" tx1="dk1" bg2="lt2" tx2="dk2" accent1="accent1" accent2="accent2" accent3="accent3" accent4="accent4" accent5="accent5" accent6="accent6" hlink="hlink" folHlink="folHlink"/>
   <p:notesStyle>
@@ -1594,7 +1595,7 @@
             <a:fld id="{50B0CD6B-EC9B-44E9-9AE1-B518ACEA0432}" type="datetimeFigureOut">
               <a:rPr lang="pl-PL" smtClean="0"/>
               <a:pPr/>
-              <a:t>02.06.2020</a:t>
+              <a:t>03.06.2020</a:t>
             </a:fld>
             <a:endParaRPr lang="pl-PL"/>
           </a:p>
@@ -1759,7 +1760,7 @@
             <a:fld id="{50B0CD6B-EC9B-44E9-9AE1-B518ACEA0432}" type="datetimeFigureOut">
               <a:rPr lang="pl-PL" smtClean="0"/>
               <a:pPr/>
-              <a:t>02.06.2020</a:t>
+              <a:t>03.06.2020</a:t>
             </a:fld>
             <a:endParaRPr lang="pl-PL"/>
           </a:p>
@@ -1934,7 +1935,7 @@
             <a:fld id="{50B0CD6B-EC9B-44E9-9AE1-B518ACEA0432}" type="datetimeFigureOut">
               <a:rPr lang="pl-PL" smtClean="0"/>
               <a:pPr/>
-              <a:t>02.06.2020</a:t>
+              <a:t>03.06.2020</a:t>
             </a:fld>
             <a:endParaRPr lang="pl-PL"/>
           </a:p>
@@ -2099,7 +2100,7 @@
             <a:fld id="{50B0CD6B-EC9B-44E9-9AE1-B518ACEA0432}" type="datetimeFigureOut">
               <a:rPr lang="pl-PL" smtClean="0"/>
               <a:pPr/>
-              <a:t>02.06.2020</a:t>
+              <a:t>03.06.2020</a:t>
             </a:fld>
             <a:endParaRPr lang="pl-PL"/>
           </a:p>
@@ -2341,7 +2342,7 @@
             <a:fld id="{50B0CD6B-EC9B-44E9-9AE1-B518ACEA0432}" type="datetimeFigureOut">
               <a:rPr lang="pl-PL" smtClean="0"/>
               <a:pPr/>
-              <a:t>02.06.2020</a:t>
+              <a:t>03.06.2020</a:t>
             </a:fld>
             <a:endParaRPr lang="pl-PL"/>
           </a:p>
@@ -2623,7 +2624,7 @@
             <a:fld id="{50B0CD6B-EC9B-44E9-9AE1-B518ACEA0432}" type="datetimeFigureOut">
               <a:rPr lang="pl-PL" smtClean="0"/>
               <a:pPr/>
-              <a:t>02.06.2020</a:t>
+              <a:t>03.06.2020</a:t>
             </a:fld>
             <a:endParaRPr lang="pl-PL"/>
           </a:p>
@@ -3044,7 +3045,7 @@
             <a:fld id="{50B0CD6B-EC9B-44E9-9AE1-B518ACEA0432}" type="datetimeFigureOut">
               <a:rPr lang="pl-PL" smtClean="0"/>
               <a:pPr/>
-              <a:t>02.06.2020</a:t>
+              <a:t>03.06.2020</a:t>
             </a:fld>
             <a:endParaRPr lang="pl-PL"/>
           </a:p>
@@ -3158,7 +3159,7 @@
             <a:fld id="{50B0CD6B-EC9B-44E9-9AE1-B518ACEA0432}" type="datetimeFigureOut">
               <a:rPr lang="pl-PL" smtClean="0"/>
               <a:pPr/>
-              <a:t>02.06.2020</a:t>
+              <a:t>03.06.2020</a:t>
             </a:fld>
             <a:endParaRPr lang="pl-PL"/>
           </a:p>
@@ -3250,7 +3251,7 @@
             <a:fld id="{50B0CD6B-EC9B-44E9-9AE1-B518ACEA0432}" type="datetimeFigureOut">
               <a:rPr lang="pl-PL" smtClean="0"/>
               <a:pPr/>
-              <a:t>02.06.2020</a:t>
+              <a:t>03.06.2020</a:t>
             </a:fld>
             <a:endParaRPr lang="pl-PL"/>
           </a:p>
@@ -3522,7 +3523,7 @@
             <a:fld id="{50B0CD6B-EC9B-44E9-9AE1-B518ACEA0432}" type="datetimeFigureOut">
               <a:rPr lang="pl-PL" smtClean="0"/>
               <a:pPr/>
-              <a:t>02.06.2020</a:t>
+              <a:t>03.06.2020</a:t>
             </a:fld>
             <a:endParaRPr lang="pl-PL"/>
           </a:p>
@@ -3771,7 +3772,7 @@
             <a:fld id="{50B0CD6B-EC9B-44E9-9AE1-B518ACEA0432}" type="datetimeFigureOut">
               <a:rPr lang="pl-PL" smtClean="0"/>
               <a:pPr/>
-              <a:t>02.06.2020</a:t>
+              <a:t>03.06.2020</a:t>
             </a:fld>
             <a:endParaRPr lang="pl-PL"/>
           </a:p>
@@ -3979,7 +3980,7 @@
             <a:fld id="{50B0CD6B-EC9B-44E9-9AE1-B518ACEA0432}" type="datetimeFigureOut">
               <a:rPr lang="pl-PL" smtClean="0"/>
               <a:pPr/>
-              <a:t>02.06.2020</a:t>
+              <a:t>03.06.2020</a:t>
             </a:fld>
             <a:endParaRPr lang="pl-PL"/>
           </a:p>
@@ -4374,11 +4375,7 @@
           <a:p>
             <a:r>
               <a:rPr lang="en-US" sz="2800" b="1" dirty="0" smtClean="0"/>
-              <a:t>Forecasting tax avoidance rates by international listed </a:t>
-            </a:r>
-            <a:r>
-              <a:rPr lang="en-US" sz="2800" b="1" dirty="0" smtClean="0"/>
-              <a:t>companies</a:t>
+              <a:t>Forecasting tax avoidance rates by international listed companies</a:t>
             </a:r>
             <a:r>
               <a:rPr lang="pl-PL" sz="2800" dirty="0">
@@ -4593,7 +4590,7 @@
           <p:cNvPr id="2" name="Tytuł 1">
             <a:extLst>
               <a:ext uri="{FF2B5EF4-FFF2-40B4-BE49-F238E27FC236}">
-                <a16:creationId xmlns:a16="http://schemas.microsoft.com/office/drawing/2014/main" xmlns="" id="{8ED3F5D5-D987-4CD0-A25C-52F18EDA9040}"/>
+                <a16:creationId xmlns="" xmlns:a16="http://schemas.microsoft.com/office/drawing/2014/main" id="{8ED3F5D5-D987-4CD0-A25C-52F18EDA9040}"/>
               </a:ext>
             </a:extLst>
           </p:cNvPr>
@@ -4628,23 +4625,20 @@
               <a:rPr lang="pl-PL" sz="2800" b="1" dirty="0" err="1" smtClean="0">
                 <a:cs typeface="Segoe UI Light"/>
               </a:rPr>
-              <a:t>Explonatory</a:t>
+              <a:t>Exploratory</a:t>
             </a:r>
             <a:r>
               <a:rPr lang="pl-PL" sz="2800" b="1" dirty="0" smtClean="0">
                 <a:cs typeface="Segoe UI Light"/>
               </a:rPr>
-              <a:t> Data </a:t>
-            </a:r>
-            <a:r>
-              <a:rPr lang="pl-PL" sz="2800" b="1" dirty="0" err="1" smtClean="0">
+              <a:t> </a:t>
+            </a:r>
+            <a:r>
+              <a:rPr lang="pl-PL" sz="2800" b="1" dirty="0" smtClean="0">
                 <a:cs typeface="Segoe UI Light"/>
               </a:rPr>
-              <a:t>Analysis</a:t>
-            </a:r>
-            <a:endParaRPr lang="pl-PL" sz="2800" b="1" dirty="0" smtClean="0">
-              <a:cs typeface="Segoe UI Light"/>
-            </a:endParaRPr>
+              <a:t>Data Analysis</a:t>
+            </a:r>
           </a:p>
         </p:txBody>
       </p:sp>
@@ -4797,7 +4791,7 @@
     </p:spTree>
     <p:extLst>
       <p:ext uri="{BB962C8B-B14F-4D97-AF65-F5344CB8AC3E}">
-        <p14:creationId xmlns:p14="http://schemas.microsoft.com/office/powerpoint/2010/main" xmlns="" val="4235668464"/>
+        <p14:creationId xmlns:p14="http://schemas.microsoft.com/office/powerpoint/2010/main" val="4235668464"/>
       </p:ext>
     </p:extLst>
   </p:cSld>
@@ -4829,7 +4823,7 @@
           <p:cNvPr id="2" name="Tytuł 1">
             <a:extLst>
               <a:ext uri="{FF2B5EF4-FFF2-40B4-BE49-F238E27FC236}">
-                <a16:creationId xmlns:a16="http://schemas.microsoft.com/office/drawing/2014/main" xmlns="" id="{8ED3F5D5-D987-4CD0-A25C-52F18EDA9040}"/>
+                <a16:creationId xmlns="" xmlns:a16="http://schemas.microsoft.com/office/drawing/2014/main" id="{8ED3F5D5-D987-4CD0-A25C-52F18EDA9040}"/>
               </a:ext>
             </a:extLst>
           </p:cNvPr>
@@ -5097,19 +5091,11 @@
             </a:pPr>
             <a:r>
               <a:rPr lang="en-US" sz="1200" dirty="0" smtClean="0"/>
-              <a:t>First source: World Bank, V-Dem index, Polity index, BR </a:t>
-            </a:r>
-            <a:r>
-              <a:rPr lang="en-US" sz="1200" dirty="0" smtClean="0"/>
-              <a:t>index</a:t>
-            </a:r>
-            <a:r>
-              <a:rPr lang="pl-PL" sz="1200" dirty="0" smtClean="0"/>
-              <a:t> </a:t>
-            </a:r>
-            <a:r>
-              <a:rPr lang="pl-PL" sz="1200" dirty="0" smtClean="0"/>
-              <a:t>- </a:t>
+              <a:t>First source: World Bank, V-Dem index, Polity index, BR index</a:t>
+            </a:r>
+            <a:r>
+              <a:rPr lang="pl-PL" sz="1200" dirty="0" smtClean="0"/>
+              <a:t> - </a:t>
             </a:r>
             <a:r>
               <a:rPr lang="en-US" sz="1200" dirty="0" smtClean="0"/>
@@ -5127,19 +5113,11 @@
             </a:pPr>
             <a:r>
               <a:rPr lang="en-US" sz="1200" dirty="0" smtClean="0"/>
-              <a:t>Second source: main stock market indexes for Poland (WIG), Germany (DAX), Great Britain (FTSE), France (CAC) and Austria (ATX</a:t>
-            </a:r>
-            <a:r>
-              <a:rPr lang="en-US" sz="1200" dirty="0" smtClean="0"/>
-              <a:t>)</a:t>
-            </a:r>
-            <a:r>
-              <a:rPr lang="pl-PL" sz="1200" dirty="0" smtClean="0"/>
-              <a:t> </a:t>
-            </a:r>
-            <a:r>
-              <a:rPr lang="pl-PL" sz="1200" dirty="0" smtClean="0"/>
-              <a:t>– </a:t>
+              <a:t>Second source: main stock market indexes for Poland (WIG), Germany (DAX), Great Britain (FTSE), France (CAC) and Austria (ATX)</a:t>
+            </a:r>
+            <a:r>
+              <a:rPr lang="pl-PL" sz="1200" dirty="0" smtClean="0"/>
+              <a:t> – </a:t>
             </a:r>
             <a:r>
               <a:rPr lang="pl-PL" sz="1200" dirty="0" err="1" smtClean="0"/>
@@ -5170,15 +5148,7 @@
             </a:pPr>
             <a:r>
               <a:rPr lang="en-US" sz="1200" dirty="0" smtClean="0"/>
-              <a:t>Third </a:t>
-            </a:r>
-            <a:r>
-              <a:rPr lang="en-US" sz="1200" dirty="0" smtClean="0"/>
-              <a:t>source: S&amp;P indexes for </a:t>
-            </a:r>
-            <a:r>
-              <a:rPr lang="en-US" sz="1200" dirty="0" smtClean="0"/>
-              <a:t>sectors</a:t>
+              <a:t>Third source: S&amp;P indexes for sectors</a:t>
             </a:r>
             <a:r>
               <a:rPr lang="pl-PL" sz="1200" dirty="0" smtClean="0"/>
@@ -5226,11 +5196,7 @@
             </a:r>
             <a:r>
               <a:rPr lang="pl-PL" sz="1200" b="1" dirty="0" smtClean="0"/>
-              <a:t> </a:t>
-            </a:r>
-            <a:r>
-              <a:rPr lang="pl-PL" sz="1200" b="1" dirty="0" smtClean="0"/>
-              <a:t>ETL</a:t>
+              <a:t> ETL</a:t>
             </a:r>
           </a:p>
           <a:p>
@@ -5244,15 +5210,7 @@
             </a:r>
             <a:r>
               <a:rPr lang="en-US" sz="1200" dirty="0" smtClean="0"/>
-              <a:t>one </a:t>
-            </a:r>
-            <a:r>
-              <a:rPr lang="en-US" sz="1200" dirty="0" smtClean="0"/>
-              <a:t>dimensional </a:t>
-            </a:r>
-            <a:r>
-              <a:rPr lang="en-US" sz="1200" dirty="0" smtClean="0"/>
-              <a:t>approach</a:t>
+              <a:t>one dimensional approach</a:t>
             </a:r>
             <a:r>
               <a:rPr lang="pl-PL" sz="1200" dirty="0" smtClean="0"/>
@@ -5270,11 +5228,7 @@
             </a:r>
             <a:r>
               <a:rPr lang="pl-PL" sz="1200" dirty="0" err="1" smtClean="0"/>
-              <a:t>l</a:t>
-            </a:r>
-            <a:r>
-              <a:rPr lang="pl-PL" sz="1200" dirty="0" err="1" smtClean="0"/>
-              <a:t>ogarithm</a:t>
+              <a:t>logarithm</a:t>
             </a:r>
             <a:endParaRPr lang="pl-PL" sz="1200" dirty="0" smtClean="0"/>
           </a:p>
@@ -5418,11 +5372,7 @@
             </a:pPr>
             <a:r>
               <a:rPr lang="en-US" sz="1200" dirty="0" smtClean="0"/>
-              <a:t>time-series </a:t>
-            </a:r>
-            <a:r>
-              <a:rPr lang="en-US" sz="1200" dirty="0" smtClean="0"/>
-              <a:t>approach</a:t>
+              <a:t>time-series approach</a:t>
             </a:r>
             <a:endParaRPr lang="pl-PL" sz="1200" dirty="0" smtClean="0"/>
           </a:p>
@@ -5523,11 +5473,7 @@
             </a:r>
             <a:r>
               <a:rPr lang="pl-PL" sz="1200" dirty="0" smtClean="0"/>
-              <a:t> model </a:t>
-            </a:r>
-            <a:r>
-              <a:rPr lang="pl-PL" sz="1200" dirty="0" smtClean="0"/>
-              <a:t>(</a:t>
+              <a:t> model (</a:t>
             </a:r>
             <a:r>
               <a:rPr lang="pl-PL" sz="1200" dirty="0" err="1" smtClean="0"/>
@@ -5545,7 +5491,6 @@
               <a:rPr lang="pl-PL" sz="1200" dirty="0" smtClean="0"/>
               <a:t>)</a:t>
             </a:r>
-            <a:endParaRPr lang="pl-PL" sz="1200" dirty="0" smtClean="0"/>
           </a:p>
           <a:p>
             <a:pPr lvl="1" indent="-180000">
@@ -5590,11 +5535,7 @@
             </a:r>
             <a:r>
               <a:rPr lang="pl-PL" sz="1200" dirty="0" smtClean="0"/>
-              <a:t> model </a:t>
-            </a:r>
-            <a:r>
-              <a:rPr lang="pl-PL" sz="1200" dirty="0" smtClean="0"/>
-              <a:t>(</a:t>
+              <a:t> model (</a:t>
             </a:r>
             <a:r>
               <a:rPr lang="pl-PL" sz="1200" dirty="0" err="1" smtClean="0"/>
@@ -5602,11 +5543,7 @@
             </a:r>
             <a:r>
               <a:rPr lang="pl-PL" sz="1200" dirty="0" smtClean="0"/>
-              <a:t> of </a:t>
-            </a:r>
-            <a:r>
-              <a:rPr lang="pl-PL" sz="1200" dirty="0" smtClean="0"/>
-              <a:t>MA </a:t>
+              <a:t> of MA </a:t>
             </a:r>
             <a:r>
               <a:rPr lang="pl-PL" sz="1200" dirty="0" err="1" smtClean="0"/>
@@ -5636,11 +5573,7 @@
             </a:r>
             <a:r>
               <a:rPr lang="pl-PL" sz="1200" dirty="0" smtClean="0"/>
-              <a:t> of </a:t>
-            </a:r>
-            <a:r>
-              <a:rPr lang="pl-PL" sz="1200" dirty="0" smtClean="0"/>
-              <a:t>independent </a:t>
+              <a:t> of independent </a:t>
             </a:r>
             <a:r>
               <a:rPr lang="pl-PL" sz="1200" dirty="0" err="1" smtClean="0"/>
@@ -5696,7 +5629,7 @@
     </p:spTree>
     <p:extLst>
       <p:ext uri="{BB962C8B-B14F-4D97-AF65-F5344CB8AC3E}">
-        <p14:creationId xmlns:p14="http://schemas.microsoft.com/office/powerpoint/2010/main" xmlns="" val="4235668464"/>
+        <p14:creationId xmlns:p14="http://schemas.microsoft.com/office/powerpoint/2010/main" val="4235668464"/>
       </p:ext>
     </p:extLst>
   </p:cSld>
@@ -5728,7 +5661,7 @@
           <p:cNvPr id="2" name="Tytuł 1">
             <a:extLst>
               <a:ext uri="{FF2B5EF4-FFF2-40B4-BE49-F238E27FC236}">
-                <a16:creationId xmlns:a16="http://schemas.microsoft.com/office/drawing/2014/main" xmlns="" id="{8ED3F5D5-D987-4CD0-A25C-52F18EDA9040}"/>
+                <a16:creationId xmlns="" xmlns:a16="http://schemas.microsoft.com/office/drawing/2014/main" id="{8ED3F5D5-D987-4CD0-A25C-52F18EDA9040}"/>
               </a:ext>
             </a:extLst>
           </p:cNvPr>
@@ -5928,11 +5861,7 @@
             <a:pPr indent="-180000"/>
             <a:r>
               <a:rPr lang="en-US" sz="1100" b="1" dirty="0" smtClean="0"/>
-              <a:t>The selection of variables for the model was carried out individually for each </a:t>
-            </a:r>
-            <a:r>
-              <a:rPr lang="en-US" sz="1100" b="1" dirty="0" smtClean="0"/>
-              <a:t>model</a:t>
+              <a:t>The selection of variables for the model was carried out individually for each model</a:t>
             </a:r>
             <a:r>
               <a:rPr lang="pl-PL" sz="1100" b="1" dirty="0" smtClean="0"/>
@@ -5956,11 +5885,7 @@
             <a:pPr indent="-180000"/>
             <a:r>
               <a:rPr lang="en-US" sz="1100" dirty="0" smtClean="0"/>
-              <a:t>The </a:t>
-            </a:r>
-            <a:r>
-              <a:rPr lang="en-US" sz="1100" dirty="0" smtClean="0"/>
-              <a:t>feature selection process is divided into </a:t>
+              <a:t>The feature selection process is divided into </a:t>
             </a:r>
             <a:r>
               <a:rPr lang="en-US" sz="1100" b="1" dirty="0" smtClean="0"/>
@@ -5992,15 +5917,7 @@
             </a:r>
             <a:r>
               <a:rPr lang="en-US" sz="1100" dirty="0" smtClean="0"/>
-              <a:t>variables </a:t>
-            </a:r>
-            <a:r>
-              <a:rPr lang="en-US" sz="1100" dirty="0" smtClean="0"/>
-              <a:t>based on many techniques</a:t>
-            </a:r>
-            <a:r>
-              <a:rPr lang="en-US" sz="1100" dirty="0" smtClean="0"/>
-              <a:t>:</a:t>
+              <a:t>variables based on many techniques:</a:t>
             </a:r>
             <a:endParaRPr lang="pl-PL" sz="1100" dirty="0" smtClean="0"/>
           </a:p>
@@ -6145,17 +6062,12 @@
             </a:r>
             <a:r>
               <a:rPr lang="en-US" sz="1100" dirty="0" smtClean="0"/>
-              <a:t>was carried out individually for each </a:t>
-            </a:r>
-            <a:r>
-              <a:rPr lang="en-US" sz="1100" dirty="0" smtClean="0"/>
-              <a:t>model</a:t>
+              <a:t>was carried out individually for each model</a:t>
             </a:r>
             <a:r>
               <a:rPr lang="pl-PL" sz="1100" dirty="0" smtClean="0"/>
               <a:t>:</a:t>
             </a:r>
-            <a:endParaRPr lang="pl-PL" sz="1100" dirty="0" smtClean="0"/>
           </a:p>
           <a:p>
             <a:pPr indent="-180000">
@@ -6324,11 +6236,7 @@
             </a:r>
             <a:r>
               <a:rPr lang="pl-PL" sz="1100" dirty="0" smtClean="0"/>
-              <a:t> </a:t>
-            </a:r>
-            <a:r>
-              <a:rPr lang="pl-PL" sz="1100" dirty="0" smtClean="0"/>
-              <a:t>Net</a:t>
+              <a:t> Net</a:t>
             </a:r>
           </a:p>
           <a:p>
@@ -6340,7 +6248,6 @@
               <a:rPr lang="pl-PL" sz="1100" dirty="0" smtClean="0"/>
               <a:t>Boruta</a:t>
             </a:r>
-            <a:endParaRPr lang="pl-PL" sz="1100" dirty="0" smtClean="0"/>
           </a:p>
           <a:p>
             <a:pPr lvl="1" indent="-180000">
@@ -6529,7 +6436,6 @@
               <a:rPr lang="pl-PL" sz="1100" dirty="0" smtClean="0"/>
               <a:t>Relief</a:t>
             </a:r>
-            <a:endParaRPr lang="pl-PL" sz="1100" dirty="0" smtClean="0"/>
           </a:p>
           <a:p>
             <a:pPr lvl="1" indent="-180000">
@@ -6603,11 +6509,7 @@
             </a:r>
             <a:r>
               <a:rPr lang="pl-PL" sz="1100" dirty="0" smtClean="0"/>
-              <a:t> </a:t>
-            </a:r>
-            <a:r>
-              <a:rPr lang="pl-PL" sz="1100" dirty="0" smtClean="0"/>
-              <a:t>Net</a:t>
+              <a:t> Net</a:t>
             </a:r>
           </a:p>
           <a:p>
@@ -6712,7 +6614,7 @@
     </p:spTree>
     <p:extLst>
       <p:ext uri="{BB962C8B-B14F-4D97-AF65-F5344CB8AC3E}">
-        <p14:creationId xmlns:p14="http://schemas.microsoft.com/office/powerpoint/2010/main" xmlns="" val="4235668464"/>
+        <p14:creationId xmlns:p14="http://schemas.microsoft.com/office/powerpoint/2010/main" val="4235668464"/>
       </p:ext>
     </p:extLst>
   </p:cSld>
@@ -6744,7 +6646,7 @@
           <p:cNvPr id="2" name="Tytuł 1">
             <a:extLst>
               <a:ext uri="{FF2B5EF4-FFF2-40B4-BE49-F238E27FC236}">
-                <a16:creationId xmlns:a16="http://schemas.microsoft.com/office/drawing/2014/main" xmlns="" id="{8ED3F5D5-D987-4CD0-A25C-52F18EDA9040}"/>
+                <a16:creationId xmlns="" xmlns:a16="http://schemas.microsoft.com/office/drawing/2014/main" id="{8ED3F5D5-D987-4CD0-A25C-52F18EDA9040}"/>
               </a:ext>
             </a:extLst>
           </p:cNvPr>
@@ -7010,7 +6912,6 @@
               <a:rPr lang="en-US" sz="1200" b="1" dirty="0" smtClean="0"/>
               <a:t>:</a:t>
             </a:r>
-            <a:endParaRPr lang="en-US" sz="1200" b="1" dirty="0" smtClean="0"/>
           </a:p>
           <a:p>
             <a:pPr marL="48600" indent="-228600">
@@ -7035,19 +6936,7 @@
             </a:r>
             <a:r>
               <a:rPr lang="en-US" sz="1200" dirty="0" smtClean="0"/>
-              <a:t> </a:t>
-            </a:r>
-            <a:r>
-              <a:rPr lang="en-US" sz="1200" dirty="0" smtClean="0"/>
-              <a:t>feature engineering </a:t>
-            </a:r>
-            <a:r>
-              <a:rPr lang="en-US" sz="1200" dirty="0" smtClean="0"/>
-              <a:t>– </a:t>
-            </a:r>
-            <a:r>
-              <a:rPr lang="en-US" sz="1200" dirty="0" smtClean="0"/>
-              <a:t>standardization</a:t>
+              <a:t> feature engineering – standardization</a:t>
             </a:r>
           </a:p>
           <a:p>
@@ -7069,15 +6958,7 @@
             </a:r>
             <a:r>
               <a:rPr lang="en-US" sz="1200" dirty="0" smtClean="0"/>
-              <a:t>"good </a:t>
-            </a:r>
-            <a:r>
-              <a:rPr lang="en-US" sz="1200" dirty="0" smtClean="0"/>
-              <a:t>enough" parameters (in CV) to proceed feature selection </a:t>
-            </a:r>
-            <a:r>
-              <a:rPr lang="en-US" sz="1200" dirty="0" smtClean="0"/>
-              <a:t>procedure</a:t>
+              <a:t>"good enough" parameters (in CV) to proceed feature selection procedure</a:t>
             </a:r>
             <a:endParaRPr lang="pl-PL" sz="1200" dirty="0" smtClean="0"/>
           </a:p>
@@ -7144,11 +7025,23 @@
             </a:r>
             <a:r>
               <a:rPr lang="en-US" sz="1200" dirty="0" smtClean="0"/>
-              <a:t> </a:t>
+              <a:t> and after </a:t>
+            </a:r>
+            <a:r>
+              <a:rPr lang="en-US" sz="1200" dirty="0" err="1" smtClean="0"/>
+              <a:t>tha</a:t>
+            </a:r>
+            <a:r>
+              <a:rPr lang="pl-PL" sz="1200" dirty="0" smtClean="0"/>
+              <a:t>t</a:t>
             </a:r>
             <a:r>
               <a:rPr lang="en-US" sz="1200" dirty="0" smtClean="0"/>
-              <a:t>and after than we </a:t>
+              <a:t> </a:t>
+            </a:r>
+            <a:r>
+              <a:rPr lang="en-US" sz="1200" dirty="0" smtClean="0"/>
+              <a:t>we </a:t>
             </a:r>
             <a:r>
               <a:rPr lang="pl-PL" sz="1200" dirty="0" err="1" smtClean="0"/>
@@ -7160,11 +7053,7 @@
             </a:r>
             <a:r>
               <a:rPr lang="en-US" sz="1200" dirty="0" smtClean="0"/>
-              <a:t>groups </a:t>
-            </a:r>
-            <a:r>
-              <a:rPr lang="en-US" sz="1200" dirty="0" smtClean="0"/>
-              <a:t>of feature candidates</a:t>
+              <a:t>groups of feature candidates</a:t>
             </a:r>
           </a:p>
           <a:p>
@@ -7190,15 +7079,7 @@
             </a:r>
             <a:r>
               <a:rPr lang="en-US" sz="1200" dirty="0" smtClean="0"/>
-              <a:t> </a:t>
-            </a:r>
-            <a:r>
-              <a:rPr lang="en-US" sz="1200" dirty="0" smtClean="0"/>
-              <a:t>for each group of variables (in CV) - we </a:t>
-            </a:r>
-            <a:r>
-              <a:rPr lang="en-US" sz="1200" dirty="0" smtClean="0"/>
-              <a:t>obtain</a:t>
+              <a:t> for each group of variables (in CV) - we obtain</a:t>
             </a:r>
             <a:r>
               <a:rPr lang="pl-PL" sz="1200" dirty="0" err="1" smtClean="0"/>
@@ -7210,11 +7091,7 @@
             </a:r>
             <a:r>
               <a:rPr lang="en-US" sz="1200" dirty="0" smtClean="0"/>
-              <a:t>couple </a:t>
-            </a:r>
-            <a:r>
-              <a:rPr lang="en-US" sz="1200" dirty="0" smtClean="0"/>
-              <a:t>of models</a:t>
+              <a:t>couple of models</a:t>
             </a:r>
           </a:p>
           <a:p>
@@ -7224,31 +7101,15 @@
             </a:pPr>
             <a:r>
               <a:rPr lang="en-US" sz="1200" dirty="0" smtClean="0"/>
-              <a:t>then </a:t>
+              <a:t>then we compare</a:t>
+            </a:r>
+            <a:r>
+              <a:rPr lang="pl-PL" sz="1200" dirty="0" smtClean="0"/>
+              <a:t>d </a:t>
             </a:r>
             <a:r>
               <a:rPr lang="en-US" sz="1200" dirty="0" smtClean="0"/>
-              <a:t>we </a:t>
-            </a:r>
-            <a:r>
-              <a:rPr lang="en-US" sz="1200" dirty="0" smtClean="0"/>
-              <a:t>compare</a:t>
-            </a:r>
-            <a:r>
-              <a:rPr lang="pl-PL" sz="1200" dirty="0" smtClean="0"/>
-              <a:t>d </a:t>
-            </a:r>
-            <a:r>
-              <a:rPr lang="en-US" sz="1200" dirty="0" smtClean="0"/>
-              <a:t>all </a:t>
-            </a:r>
-            <a:r>
-              <a:rPr lang="en-US" sz="1200" dirty="0" smtClean="0"/>
-              <a:t>models based on so called "proper CV</a:t>
-            </a:r>
-            <a:r>
-              <a:rPr lang="en-US" sz="1200" dirty="0" smtClean="0"/>
-              <a:t>"</a:t>
+              <a:t>all models based on so called "proper CV"</a:t>
             </a:r>
             <a:endParaRPr lang="pl-PL" sz="1200" dirty="0" smtClean="0"/>
           </a:p>
@@ -7276,11 +7137,7 @@
             </a:r>
             <a:r>
               <a:rPr lang="en-US" sz="1200" dirty="0" smtClean="0"/>
-              <a:t> CV without time-series problem handling (in point </a:t>
-            </a:r>
-            <a:r>
-              <a:rPr lang="en-US" sz="1200" dirty="0" smtClean="0"/>
-              <a:t>2</a:t>
+              <a:t> CV without time-series problem handling (in point 2</a:t>
             </a:r>
             <a:r>
               <a:rPr lang="pl-PL" sz="1200" dirty="0" smtClean="0"/>
@@ -7296,17 +7153,8 @@
             </a:r>
             <a:r>
               <a:rPr lang="en-US" sz="1200" dirty="0" smtClean="0"/>
-              <a:t>). To </a:t>
-            </a:r>
-            <a:r>
-              <a:rPr lang="en-US" sz="1200" dirty="0" smtClean="0"/>
-              <a:t>be honest in this problem it is not a big deal - based on our experience and we treat it like a feature</a:t>
-            </a:r>
-            <a:r>
-              <a:rPr lang="en-US" sz="1200" dirty="0" smtClean="0"/>
-              <a:t>!</a:t>
-            </a:r>
-            <a:endParaRPr lang="en-US" sz="1200" dirty="0" smtClean="0"/>
+              <a:t>). To be honest in this problem it is not a big deal - based on our experience and we treat it like a feature!</a:t>
+            </a:r>
           </a:p>
           <a:p>
             <a:pPr indent="-180000"/>
@@ -7324,11 +7172,7 @@
             </a:r>
             <a:r>
               <a:rPr lang="en-US" sz="1200" dirty="0" smtClean="0"/>
-              <a:t> </a:t>
-            </a:r>
-            <a:r>
-              <a:rPr lang="en-US" sz="1200" dirty="0" smtClean="0"/>
-              <a:t>previous analysis based on "proper CV" which handle time-series properties!!! So during </a:t>
+              <a:t> previous analysis based on "proper CV" which handle time-series properties!!! So during </a:t>
             </a:r>
             <a:r>
               <a:rPr lang="en-US" sz="1200" dirty="0" err="1" smtClean="0"/>
@@ -7345,7 +7189,7 @@
     </p:spTree>
     <p:extLst>
       <p:ext uri="{BB962C8B-B14F-4D97-AF65-F5344CB8AC3E}">
-        <p14:creationId xmlns:p14="http://schemas.microsoft.com/office/powerpoint/2010/main" xmlns="" val="4235668464"/>
+        <p14:creationId xmlns:p14="http://schemas.microsoft.com/office/powerpoint/2010/main" val="4235668464"/>
       </p:ext>
     </p:extLst>
   </p:cSld>
@@ -7377,7 +7221,7 @@
           <p:cNvPr id="2" name="Tytuł 1">
             <a:extLst>
               <a:ext uri="{FF2B5EF4-FFF2-40B4-BE49-F238E27FC236}">
-                <a16:creationId xmlns:a16="http://schemas.microsoft.com/office/drawing/2014/main" xmlns="" id="{8ED3F5D5-D987-4CD0-A25C-52F18EDA9040}"/>
+                <a16:creationId xmlns="" xmlns:a16="http://schemas.microsoft.com/office/drawing/2014/main" id="{8ED3F5D5-D987-4CD0-A25C-52F18EDA9040}"/>
               </a:ext>
             </a:extLst>
           </p:cNvPr>
@@ -7986,7 +7830,7 @@
     </p:spTree>
     <p:extLst>
       <p:ext uri="{BB962C8B-B14F-4D97-AF65-F5344CB8AC3E}">
-        <p14:creationId xmlns:p14="http://schemas.microsoft.com/office/powerpoint/2010/main" xmlns="" val="4235668464"/>
+        <p14:creationId xmlns:p14="http://schemas.microsoft.com/office/powerpoint/2010/main" val="4235668464"/>
       </p:ext>
     </p:extLst>
   </p:cSld>
@@ -8018,7 +7862,7 @@
           <p:cNvPr id="2" name="Tytuł 1">
             <a:extLst>
               <a:ext uri="{FF2B5EF4-FFF2-40B4-BE49-F238E27FC236}">
-                <a16:creationId xmlns:a16="http://schemas.microsoft.com/office/drawing/2014/main" xmlns="" id="{8ED3F5D5-D987-4CD0-A25C-52F18EDA9040}"/>
+                <a16:creationId xmlns="" xmlns:a16="http://schemas.microsoft.com/office/drawing/2014/main" id="{8ED3F5D5-D987-4CD0-A25C-52F18EDA9040}"/>
               </a:ext>
             </a:extLst>
           </p:cNvPr>
@@ -8240,15 +8084,7 @@
             </a:pPr>
             <a:r>
               <a:rPr lang="en-US" sz="1200" dirty="0" smtClean="0"/>
-              <a:t>naive </a:t>
-            </a:r>
-            <a:r>
-              <a:rPr lang="en-US" sz="1200" dirty="0" smtClean="0"/>
-              <a:t>model </a:t>
-            </a:r>
-            <a:r>
-              <a:rPr lang="en-US" sz="1200" dirty="0" smtClean="0"/>
-              <a:t>have been beaten by all models</a:t>
+              <a:t>naive model have been beaten by all models</a:t>
             </a:r>
           </a:p>
           <a:p>
@@ -8306,11 +8142,7 @@
             </a:pPr>
             <a:r>
               <a:rPr lang="en-US" sz="1200" dirty="0" smtClean="0"/>
-              <a:t>our KNN outperformed all models</a:t>
-            </a:r>
-            <a:r>
-              <a:rPr lang="en-US" sz="1200" dirty="0" smtClean="0"/>
-              <a:t>!</a:t>
+              <a:t>our KNN outperformed all models!</a:t>
             </a:r>
             <a:endParaRPr lang="pl-PL" sz="1200" dirty="0" smtClean="0"/>
           </a:p>
@@ -8345,11 +8177,15 @@
               <a:t>the </a:t>
             </a:r>
             <a:r>
-              <a:rPr lang="en-US" sz="1200" b="1" dirty="0" smtClean="0"/>
-              <a:t>business environment </a:t>
-            </a:r>
-            <a:r>
-              <a:rPr lang="pl-PL" sz="1200" b="1" dirty="0" smtClean="0"/>
+              <a:rPr lang="en-US" sz="1200" b="1" smtClean="0"/>
+              <a:t>business </a:t>
+            </a:r>
+            <a:r>
+              <a:rPr lang="en-US" sz="1200" b="1" smtClean="0"/>
+              <a:t>environment</a:t>
+            </a:r>
+            <a:r>
+              <a:rPr lang="pl-PL" sz="1200" b="1" smtClean="0"/>
               <a:t> </a:t>
             </a:r>
             <a:r>
@@ -8370,15 +8206,7 @@
             </a:r>
             <a:r>
               <a:rPr lang="en-US" sz="1200" b="1" dirty="0" smtClean="0"/>
-              <a:t>: </a:t>
-            </a:r>
-            <a:r>
-              <a:rPr lang="en-US" sz="1200" b="1" dirty="0" smtClean="0"/>
-              <a:t>cheaper - computational </a:t>
-            </a:r>
-            <a:r>
-              <a:rPr lang="en-US" sz="1200" b="1" dirty="0" smtClean="0"/>
-              <a:t>time</a:t>
+              <a:t>: cheaper - computational time</a:t>
             </a:r>
             <a:r>
               <a:rPr lang="pl-PL" sz="1200" b="1" dirty="0" smtClean="0"/>
@@ -8386,15 +8214,7 @@
             </a:r>
             <a:r>
               <a:rPr lang="en-US" sz="1200" b="1" dirty="0" smtClean="0"/>
-              <a:t>fully </a:t>
-            </a:r>
-            <a:r>
-              <a:rPr lang="en-US" sz="1200" b="1" dirty="0" smtClean="0"/>
-              <a:t>explainable and has less variables</a:t>
-            </a:r>
-            <a:r>
-              <a:rPr lang="en-US" sz="1200" b="1" dirty="0" smtClean="0"/>
-              <a:t>!</a:t>
+              <a:t>fully explainable and has less variables!</a:t>
             </a:r>
             <a:endParaRPr lang="pl-PL" sz="1200" b="1" dirty="0" smtClean="0"/>
           </a:p>
@@ -8466,7 +8286,7 @@
     </p:spTree>
     <p:extLst>
       <p:ext uri="{BB962C8B-B14F-4D97-AF65-F5344CB8AC3E}">
-        <p14:creationId xmlns:p14="http://schemas.microsoft.com/office/powerpoint/2010/main" xmlns="" val="4235668464"/>
+        <p14:creationId xmlns:p14="http://schemas.microsoft.com/office/powerpoint/2010/main" val="4235668464"/>
       </p:ext>
     </p:extLst>
   </p:cSld>
@@ -8498,7 +8318,7 @@
           <p:cNvPr id="2" name="Tytuł 1">
             <a:extLst>
               <a:ext uri="{FF2B5EF4-FFF2-40B4-BE49-F238E27FC236}">
-                <a16:creationId xmlns:a16="http://schemas.microsoft.com/office/drawing/2014/main" xmlns="" id="{8ED3F5D5-D987-4CD0-A25C-52F18EDA9040}"/>
+                <a16:creationId xmlns="" xmlns:a16="http://schemas.microsoft.com/office/drawing/2014/main" id="{8ED3F5D5-D987-4CD0-A25C-52F18EDA9040}"/>
               </a:ext>
             </a:extLst>
           </p:cNvPr>
@@ -8535,7 +8355,7 @@
           <p:cNvPr id="3" name="Symbol zastępczy zawartości 2">
             <a:extLst>
               <a:ext uri="{FF2B5EF4-FFF2-40B4-BE49-F238E27FC236}">
-                <a16:creationId xmlns:a16="http://schemas.microsoft.com/office/drawing/2014/main" xmlns="" id="{A54389CF-6B05-42C9-AE4D-81B7D4B9BB97}"/>
+                <a16:creationId xmlns="" xmlns:a16="http://schemas.microsoft.com/office/drawing/2014/main" id="{A54389CF-6B05-42C9-AE4D-81B7D4B9BB97}"/>
               </a:ext>
             </a:extLst>
           </p:cNvPr>
@@ -8725,13 +8545,7 @@
               <a:rPr lang="pl-PL" sz="1200" b="1" dirty="0" smtClean="0">
                 <a:cs typeface="Segoe UI Light"/>
               </a:rPr>
-              <a:t> </a:t>
-            </a:r>
-            <a:r>
-              <a:rPr lang="pl-PL" sz="1200" b="1" dirty="0" smtClean="0">
-                <a:cs typeface="Segoe UI Light"/>
-              </a:rPr>
-              <a:t>learning </a:t>
+              <a:t> learning </a:t>
             </a:r>
             <a:r>
               <a:rPr lang="pl-PL" sz="1200" b="1" dirty="0" err="1" smtClean="0">
@@ -8761,26 +8575,21 @@
               <a:t> </a:t>
             </a:r>
             <a:r>
-              <a:rPr lang="pl-PL" sz="1200" dirty="0" err="1" smtClean="0">
-                <a:cs typeface="Segoe UI Light"/>
-              </a:rPr>
-              <a:t>Explonatory</a:t>
+              <a:rPr lang="pl-PL" sz="1200" dirty="0" err="1"/>
+              <a:t>Exploratory</a:t>
             </a:r>
             <a:r>
               <a:rPr lang="pl-PL" sz="1200" dirty="0" smtClean="0">
                 <a:cs typeface="Segoe UI Light"/>
               </a:rPr>
-              <a:t> Data </a:t>
-            </a:r>
-            <a:r>
-              <a:rPr lang="pl-PL" sz="1200" dirty="0" err="1" smtClean="0">
+              <a:t> </a:t>
+            </a:r>
+            <a:r>
+              <a:rPr lang="pl-PL" sz="1200" dirty="0" smtClean="0">
                 <a:cs typeface="Segoe UI Light"/>
               </a:rPr>
-              <a:t>Analysis</a:t>
-            </a:r>
-            <a:endParaRPr lang="pl-PL" sz="1200" dirty="0" smtClean="0">
-              <a:cs typeface="Segoe UI Light"/>
-            </a:endParaRPr>
+              <a:t>Data Analysis</a:t>
+            </a:r>
           </a:p>
           <a:p>
             <a:pPr marL="288000" lvl="1" indent="0">
@@ -8892,9 +8701,6 @@
               </a:rPr>
               <a:t> model, OLS model, ARMA model, ARDL model, KNN model, SVR model</a:t>
             </a:r>
-            <a:endParaRPr lang="pl-PL" sz="1200" dirty="0" smtClean="0">
-              <a:cs typeface="Segoe UI Light"/>
-            </a:endParaRPr>
           </a:p>
           <a:p>
             <a:pPr marL="0" indent="0">
@@ -8951,7 +8757,7 @@
     </p:spTree>
     <p:extLst>
       <p:ext uri="{BB962C8B-B14F-4D97-AF65-F5344CB8AC3E}">
-        <p14:creationId xmlns:p14="http://schemas.microsoft.com/office/powerpoint/2010/main" xmlns="" val="4235668464"/>
+        <p14:creationId xmlns:p14="http://schemas.microsoft.com/office/powerpoint/2010/main" val="4235668464"/>
       </p:ext>
     </p:extLst>
   </p:cSld>
@@ -8983,7 +8789,7 @@
           <p:cNvPr id="2" name="Tytuł 1">
             <a:extLst>
               <a:ext uri="{FF2B5EF4-FFF2-40B4-BE49-F238E27FC236}">
-                <a16:creationId xmlns:a16="http://schemas.microsoft.com/office/drawing/2014/main" xmlns="" id="{8ED3F5D5-D987-4CD0-A25C-52F18EDA9040}"/>
+                <a16:creationId xmlns="" xmlns:a16="http://schemas.microsoft.com/office/drawing/2014/main" id="{8ED3F5D5-D987-4CD0-A25C-52F18EDA9040}"/>
               </a:ext>
             </a:extLst>
           </p:cNvPr>
@@ -9164,11 +8970,7 @@
             <a:pPr algn="just"/>
             <a:r>
               <a:rPr lang="en-US" sz="1200" dirty="0" smtClean="0"/>
-              <a:t>Forecasting such a phenomenon may be particularly important for the tax authorities and legislators. It helps to create rules that would fight against tax </a:t>
-            </a:r>
-            <a:r>
-              <a:rPr lang="en-US" sz="1200" dirty="0" smtClean="0"/>
-              <a:t>avoidance</a:t>
+              <a:t>Forecasting such a phenomenon may be particularly important for the tax authorities and legislators. It helps to create rules that would fight against tax avoidance</a:t>
             </a:r>
             <a:r>
               <a:rPr lang="pl-PL" sz="1200" dirty="0" smtClean="0"/>
@@ -9251,39 +9053,19 @@
             </a:r>
             <a:r>
               <a:rPr lang="pl-PL" sz="1200" dirty="0" smtClean="0"/>
-              <a:t> 		</a:t>
-            </a:r>
-            <a:r>
-              <a:rPr lang="pl-PL" sz="1200" dirty="0" smtClean="0"/>
-              <a:t>	</a:t>
-            </a:r>
-            <a:r>
-              <a:rPr lang="pl-PL" sz="1200" dirty="0" smtClean="0"/>
-              <a:t>. </a:t>
+              <a:t> 			. </a:t>
             </a:r>
             <a:r>
               <a:rPr lang="en-US" sz="1200" dirty="0" smtClean="0"/>
-              <a:t>Due </a:t>
+              <a:t>Due to this formula, ETR has values in the range [0,1].</a:t>
+            </a:r>
+            <a:r>
+              <a:rPr lang="pl-PL" sz="1200" dirty="0" smtClean="0"/>
+              <a:t> </a:t>
             </a:r>
             <a:r>
               <a:rPr lang="en-US" sz="1200" dirty="0" smtClean="0"/>
-              <a:t>to this formula, ETR has values in the range [0,1</a:t>
-            </a:r>
-            <a:r>
-              <a:rPr lang="en-US" sz="1200" dirty="0" smtClean="0"/>
-              <a:t>].</a:t>
-            </a:r>
-            <a:r>
-              <a:rPr lang="pl-PL" sz="1200" dirty="0" smtClean="0"/>
-              <a:t> </a:t>
-            </a:r>
-            <a:r>
-              <a:rPr lang="en-US" sz="1200" dirty="0" smtClean="0"/>
-              <a:t>The lower the ETR, the more likely the company is to avoid taxation</a:t>
-            </a:r>
-            <a:r>
-              <a:rPr lang="en-US" sz="1200" dirty="0" smtClean="0"/>
-              <a:t>.</a:t>
+              <a:t>The lower the ETR, the more likely the company is to avoid taxation.</a:t>
             </a:r>
             <a:endParaRPr lang="pl-PL" sz="1200" dirty="0" smtClean="0"/>
           </a:p>
@@ -9351,15 +9133,7 @@
             </a:r>
             <a:r>
               <a:rPr lang="en-US" sz="1200" dirty="0" smtClean="0"/>
-              <a:t>his </a:t>
-            </a:r>
-            <a:r>
-              <a:rPr lang="en-US" sz="1200" dirty="0" smtClean="0"/>
-              <a:t>problem is a classic panel problem (many companies and many years</a:t>
-            </a:r>
-            <a:r>
-              <a:rPr lang="en-US" sz="1200" dirty="0" smtClean="0"/>
-              <a:t>).</a:t>
+              <a:t>his problem is a classic panel problem (many companies and many years).</a:t>
             </a:r>
             <a:r>
               <a:rPr lang="pl-PL" sz="1200" dirty="0" smtClean="0"/>
@@ -9419,11 +9193,7 @@
             </a:r>
             <a:r>
               <a:rPr lang="en-US" sz="1200" dirty="0" smtClean="0"/>
-              <a:t> </a:t>
-            </a:r>
-            <a:r>
-              <a:rPr lang="en-US" sz="1200" dirty="0" smtClean="0"/>
-              <a:t>(RMSE).</a:t>
+              <a:t> (RMSE).</a:t>
             </a:r>
             <a:r>
               <a:rPr lang="pl-PL" sz="1200" dirty="0" smtClean="0"/>
@@ -9492,7 +9262,7 @@
     </p:spTree>
     <p:extLst>
       <p:ext uri="{BB962C8B-B14F-4D97-AF65-F5344CB8AC3E}">
-        <p14:creationId xmlns:p14="http://schemas.microsoft.com/office/powerpoint/2010/main" xmlns="" val="4235668464"/>
+        <p14:creationId xmlns:p14="http://schemas.microsoft.com/office/powerpoint/2010/main" val="4235668464"/>
       </p:ext>
     </p:extLst>
   </p:cSld>
@@ -9524,7 +9294,7 @@
           <p:cNvPr id="2" name="Tytuł 1">
             <a:extLst>
               <a:ext uri="{FF2B5EF4-FFF2-40B4-BE49-F238E27FC236}">
-                <a16:creationId xmlns:a16="http://schemas.microsoft.com/office/drawing/2014/main" xmlns="" id="{8ED3F5D5-D987-4CD0-A25C-52F18EDA9040}"/>
+                <a16:creationId xmlns="" xmlns:a16="http://schemas.microsoft.com/office/drawing/2014/main" id="{8ED3F5D5-D987-4CD0-A25C-52F18EDA9040}"/>
               </a:ext>
             </a:extLst>
           </p:cNvPr>
@@ -9603,9 +9373,6 @@
               </a:rPr>
               <a:t> </a:t>
             </a:r>
-            <a:endParaRPr lang="pl-PL" sz="2800" b="1" dirty="0" smtClean="0">
-              <a:cs typeface="Segoe UI Light"/>
-            </a:endParaRPr>
           </a:p>
         </p:txBody>
       </p:sp>
@@ -9642,11 +9409,7 @@
             <a:pPr algn="just"/>
             <a:r>
               <a:rPr lang="en-US" sz="1200" dirty="0" smtClean="0"/>
-              <a:t>The </a:t>
-            </a:r>
-            <a:r>
-              <a:rPr lang="en-US" sz="1200" dirty="0" smtClean="0"/>
-              <a:t>database used in the study was created for the purposes of the paper "Determinants of multinational tax avoidance" (</a:t>
+              <a:t>The database used in the study was created for the purposes of the paper "Determinants of multinational tax avoidance" (</a:t>
             </a:r>
             <a:r>
               <a:rPr lang="en-US" sz="1200" dirty="0" err="1" smtClean="0"/>
@@ -9670,37 +9433,72 @@
             </a:r>
             <a:r>
               <a:rPr lang="en-US" sz="1200" dirty="0" smtClean="0"/>
-              <a:t>) on the basis of data retrieved from the Bloomberg database, </a:t>
+              <a:t>) on the basis of data retrieved from the Bloomberg database, OECD and P</a:t>
+            </a:r>
+            <a:r>
+              <a:rPr lang="pl-PL" sz="1200" dirty="0" smtClean="0"/>
+              <a:t>W</a:t>
             </a:r>
             <a:r>
               <a:rPr lang="en-US" sz="1200" dirty="0" smtClean="0"/>
-              <a:t>OECD </a:t>
-            </a:r>
+              <a:t>C reports.</a:t>
+            </a:r>
+            <a:endParaRPr lang="pl-PL" sz="1200" dirty="0" smtClean="0"/>
+          </a:p>
+          <a:p>
+            <a:pPr algn="just"/>
+            <a:endParaRPr lang="pl-PL" sz="1200" dirty="0" smtClean="0"/>
+          </a:p>
+          <a:p>
+            <a:pPr algn="just"/>
+            <a:r>
+              <a:rPr lang="pl-PL" sz="1200" b="1" dirty="0" err="1" smtClean="0"/>
+              <a:t>Observations</a:t>
+            </a:r>
+            <a:endParaRPr lang="pl-PL" sz="1200" b="1" dirty="0" smtClean="0"/>
+          </a:p>
+          <a:p>
+            <a:pPr algn="just"/>
             <a:r>
               <a:rPr lang="en-US" sz="1200" dirty="0" smtClean="0"/>
-              <a:t>and </a:t>
+              <a:t>The dataset </a:t>
             </a:r>
             <a:r>
               <a:rPr lang="en-US" sz="1200" dirty="0" smtClean="0"/>
-              <a:t>P</a:t>
-            </a:r>
-            <a:r>
-              <a:rPr lang="pl-PL" sz="1200" dirty="0" smtClean="0"/>
-              <a:t>W</a:t>
+              <a:t>gather</a:t>
+            </a:r>
+            <a:r>
+              <a:rPr lang="pl-PL" sz="1200" dirty="0" smtClean="0"/>
+              <a:t>s</a:t>
             </a:r>
             <a:r>
               <a:rPr lang="en-US" sz="1200" dirty="0" smtClean="0"/>
-              <a:t>C </a:t>
+              <a:t> </a:t>
             </a:r>
             <a:r>
               <a:rPr lang="en-US" sz="1200" dirty="0" smtClean="0"/>
-              <a:t>reports</a:t>
+              <a:t>companies included in WIG, DAX, UK100, CAC40 and ATX indices listed on stock exchanges in Poland, Germany, Great Britain, France and Austria in 2005-201</a:t>
+            </a:r>
+            <a:r>
+              <a:rPr lang="pl-PL" sz="1200" dirty="0" smtClean="0"/>
+              <a:t>7</a:t>
             </a:r>
             <a:r>
               <a:rPr lang="en-US" sz="1200" dirty="0" smtClean="0"/>
               <a:t>.</a:t>
             </a:r>
-            <a:endParaRPr lang="pl-PL" sz="1200" dirty="0" smtClean="0"/>
+            <a:r>
+              <a:rPr lang="pl-PL" sz="1200" dirty="0" smtClean="0"/>
+              <a:t> </a:t>
+            </a:r>
+            <a:r>
+              <a:rPr lang="pl-PL" sz="1200" dirty="0" err="1" smtClean="0"/>
+              <a:t>Yearly</a:t>
+            </a:r>
+            <a:r>
+              <a:rPr lang="pl-PL" sz="1200" dirty="0" smtClean="0"/>
+              <a:t> Data!</a:t>
+            </a:r>
           </a:p>
           <a:p>
             <a:pPr algn="just"/>
@@ -9710,7 +9508,7 @@
             <a:pPr algn="just"/>
             <a:r>
               <a:rPr lang="pl-PL" sz="1200" b="1" dirty="0" err="1" smtClean="0"/>
-              <a:t>Observations</a:t>
+              <a:t>Dimensions</a:t>
             </a:r>
             <a:endParaRPr lang="pl-PL" sz="1200" b="1" dirty="0" smtClean="0"/>
           </a:p>
@@ -9718,31 +9516,59 @@
             <a:pPr algn="just"/>
             <a:r>
               <a:rPr lang="en-US" sz="1200" dirty="0" smtClean="0"/>
-              <a:t>The dataset gather companies included in WIG, DAX, UK100, CAC40 and ATX indices listed on stock exchanges in Poland, Germany, Great Britain, France and Austria in </a:t>
-            </a:r>
-            <a:r>
-              <a:rPr lang="en-US" sz="1200" dirty="0" smtClean="0"/>
-              <a:t>2005-201</a:t>
-            </a:r>
-            <a:r>
-              <a:rPr lang="pl-PL" sz="1200" dirty="0" smtClean="0"/>
-              <a:t>7</a:t>
-            </a:r>
-            <a:r>
-              <a:rPr lang="en-US" sz="1200" dirty="0" smtClean="0"/>
-              <a:t>.</a:t>
-            </a:r>
-            <a:r>
-              <a:rPr lang="pl-PL" sz="1200" dirty="0" smtClean="0"/>
-              <a:t> </a:t>
+              <a:t>13 years x 363 companies</a:t>
+            </a:r>
+            <a:r>
+              <a:rPr lang="pl-PL" sz="1200" dirty="0" smtClean="0"/>
+              <a:t> (</a:t>
             </a:r>
             <a:r>
               <a:rPr lang="pl-PL" sz="1200" dirty="0" err="1" smtClean="0"/>
-              <a:t>Yearly</a:t>
-            </a:r>
-            <a:r>
-              <a:rPr lang="pl-PL" sz="1200" dirty="0" smtClean="0"/>
-              <a:t> Data!</a:t>
+              <a:t>balanced</a:t>
+            </a:r>
+            <a:r>
+              <a:rPr lang="pl-PL" sz="1200" dirty="0" smtClean="0"/>
+              <a:t> panel data) x 33 </a:t>
+            </a:r>
+            <a:r>
+              <a:rPr lang="pl-PL" sz="1200" dirty="0" err="1" smtClean="0"/>
+              <a:t>variables</a:t>
+            </a:r>
+            <a:r>
+              <a:rPr lang="pl-PL" sz="1200" dirty="0" smtClean="0"/>
+              <a:t> </a:t>
+            </a:r>
+            <a:r>
+              <a:rPr lang="pl-PL" sz="1200" dirty="0" err="1" smtClean="0"/>
+              <a:t>(i</a:t>
+            </a:r>
+            <a:r>
+              <a:rPr lang="pl-PL" sz="1200" dirty="0" smtClean="0"/>
+              <a:t>n </a:t>
+            </a:r>
+            <a:r>
+              <a:rPr lang="pl-PL" sz="1200" dirty="0" err="1" smtClean="0"/>
+              <a:t>the</a:t>
+            </a:r>
+            <a:r>
+              <a:rPr lang="pl-PL" sz="1200" dirty="0" smtClean="0"/>
+              <a:t> </a:t>
+            </a:r>
+            <a:r>
+              <a:rPr lang="pl-PL" sz="1200" dirty="0" err="1" smtClean="0"/>
+              <a:t>raw</a:t>
+            </a:r>
+            <a:r>
+              <a:rPr lang="pl-PL" sz="1200" dirty="0" smtClean="0"/>
+              <a:t> </a:t>
+            </a:r>
+            <a:r>
+              <a:rPr lang="pl-PL" sz="1200" dirty="0" err="1" smtClean="0"/>
+              <a:t>dataset</a:t>
+            </a:r>
+            <a:r>
+              <a:rPr lang="pl-PL" sz="1200" dirty="0" smtClean="0"/>
+              <a:t>)</a:t>
             </a:r>
           </a:p>
           <a:p>
@@ -9753,7 +9579,7 @@
             <a:pPr algn="just"/>
             <a:r>
               <a:rPr lang="pl-PL" sz="1200" b="1" dirty="0" err="1" smtClean="0"/>
-              <a:t>Dimensions</a:t>
+              <a:t>Features</a:t>
             </a:r>
             <a:endParaRPr lang="pl-PL" sz="1200" b="1" dirty="0" smtClean="0"/>
           </a:p>
@@ -9761,98 +9587,15 @@
             <a:pPr algn="just"/>
             <a:r>
               <a:rPr lang="en-US" sz="1200" dirty="0" smtClean="0"/>
-              <a:t>13 years x 363 </a:t>
+              <a:t>Variables are initially divided into two groups: baseline variables and financial transformations on baseline variables.</a:t>
+            </a:r>
+            <a:r>
+              <a:rPr lang="pl-PL" sz="1200" dirty="0" smtClean="0"/>
+              <a:t> </a:t>
             </a:r>
             <a:r>
               <a:rPr lang="en-US" sz="1200" dirty="0" smtClean="0"/>
-              <a:t>companies</a:t>
-            </a:r>
-            <a:r>
-              <a:rPr lang="pl-PL" sz="1200" dirty="0" smtClean="0"/>
-              <a:t> (</a:t>
-            </a:r>
-            <a:r>
-              <a:rPr lang="pl-PL" sz="1200" dirty="0" err="1" smtClean="0"/>
-              <a:t>balanced</a:t>
-            </a:r>
-            <a:r>
-              <a:rPr lang="pl-PL" sz="1200" dirty="0" smtClean="0"/>
-              <a:t> panel data) x 33 </a:t>
-            </a:r>
-            <a:r>
-              <a:rPr lang="pl-PL" sz="1200" dirty="0" err="1" smtClean="0"/>
-              <a:t>variables</a:t>
-            </a:r>
-            <a:r>
-              <a:rPr lang="pl-PL" sz="1200" dirty="0" smtClean="0"/>
-              <a:t> </a:t>
-            </a:r>
-            <a:r>
-              <a:rPr lang="pl-PL" sz="1200" dirty="0" err="1" smtClean="0"/>
-              <a:t>(i</a:t>
-            </a:r>
-            <a:r>
-              <a:rPr lang="pl-PL" sz="1200" dirty="0" smtClean="0"/>
-              <a:t>n </a:t>
-            </a:r>
-            <a:r>
-              <a:rPr lang="pl-PL" sz="1200" dirty="0" err="1" smtClean="0"/>
-              <a:t>the</a:t>
-            </a:r>
-            <a:r>
-              <a:rPr lang="pl-PL" sz="1200" dirty="0" smtClean="0"/>
-              <a:t> </a:t>
-            </a:r>
-            <a:r>
-              <a:rPr lang="pl-PL" sz="1200" dirty="0" err="1" smtClean="0"/>
-              <a:t>raw</a:t>
-            </a:r>
-            <a:r>
-              <a:rPr lang="pl-PL" sz="1200" dirty="0" smtClean="0"/>
-              <a:t> </a:t>
-            </a:r>
-            <a:r>
-              <a:rPr lang="pl-PL" sz="1200" dirty="0" err="1" smtClean="0"/>
-              <a:t>dataset</a:t>
-            </a:r>
-            <a:r>
-              <a:rPr lang="pl-PL" sz="1200" dirty="0" smtClean="0"/>
-              <a:t>)</a:t>
-            </a:r>
-          </a:p>
-          <a:p>
-            <a:pPr algn="just"/>
-            <a:endParaRPr lang="pl-PL" sz="1200" dirty="0" smtClean="0"/>
-          </a:p>
-          <a:p>
-            <a:pPr algn="just"/>
-            <a:r>
-              <a:rPr lang="pl-PL" sz="1200" b="1" dirty="0" err="1" smtClean="0"/>
-              <a:t>Features</a:t>
-            </a:r>
-            <a:endParaRPr lang="pl-PL" sz="1200" b="1" dirty="0" smtClean="0"/>
-          </a:p>
-          <a:p>
-            <a:pPr algn="just"/>
-            <a:r>
-              <a:rPr lang="en-US" sz="1200" dirty="0" smtClean="0"/>
-              <a:t>Variables are initially divided into two groups: baseline variables and financial transformations on baseline variables</a:t>
-            </a:r>
-            <a:r>
-              <a:rPr lang="en-US" sz="1200" dirty="0" smtClean="0"/>
-              <a:t>.</a:t>
-            </a:r>
-            <a:r>
-              <a:rPr lang="pl-PL" sz="1200" dirty="0" smtClean="0"/>
-              <a:t> </a:t>
-            </a:r>
-            <a:r>
-              <a:rPr lang="en-US" sz="1200" dirty="0" smtClean="0"/>
-              <a:t>All variables are purely financial. A significant part of them are fundamental variables</a:t>
-            </a:r>
-            <a:r>
-              <a:rPr lang="en-US" sz="1200" dirty="0" smtClean="0"/>
-              <a:t>.</a:t>
+              <a:t>All variables are purely financial. A significant part of them are fundamental variables.</a:t>
             </a:r>
             <a:r>
               <a:rPr lang="pl-PL" sz="1200" dirty="0" smtClean="0"/>
@@ -9864,31 +9607,15 @@
             </a:r>
             <a:r>
               <a:rPr lang="en-US" sz="1200" dirty="0" smtClean="0"/>
-              <a:t> </a:t>
+              <a:t> variables were selected based on literature</a:t>
+            </a:r>
+            <a:r>
+              <a:rPr lang="pl-PL" sz="1200" dirty="0" smtClean="0"/>
+              <a:t>. T</a:t>
             </a:r>
             <a:r>
               <a:rPr lang="en-US" sz="1200" dirty="0" smtClean="0"/>
-              <a:t>variables were selected based on </a:t>
-            </a:r>
-            <a:r>
-              <a:rPr lang="en-US" sz="1200" dirty="0" smtClean="0"/>
-              <a:t>literature</a:t>
-            </a:r>
-            <a:r>
-              <a:rPr lang="pl-PL" sz="1200" dirty="0" smtClean="0"/>
-              <a:t>. T</a:t>
-            </a:r>
-            <a:r>
-              <a:rPr lang="en-US" sz="1200" dirty="0" smtClean="0"/>
-              <a:t>he </a:t>
-            </a:r>
-            <a:r>
-              <a:rPr lang="en-US" sz="1200" dirty="0" smtClean="0"/>
-              <a:t>full list of variables is on the next </a:t>
-            </a:r>
-            <a:r>
-              <a:rPr lang="en-US" sz="1200" dirty="0" smtClean="0"/>
-              <a:t>slide</a:t>
+              <a:t>he full list of variables is on the next slide</a:t>
             </a:r>
             <a:r>
               <a:rPr lang="pl-PL" sz="1200" dirty="0" smtClean="0"/>
@@ -9942,7 +9669,7 @@
     </p:spTree>
     <p:extLst>
       <p:ext uri="{BB962C8B-B14F-4D97-AF65-F5344CB8AC3E}">
-        <p14:creationId xmlns:p14="http://schemas.microsoft.com/office/powerpoint/2010/main" xmlns="" val="4235668464"/>
+        <p14:creationId xmlns:p14="http://schemas.microsoft.com/office/powerpoint/2010/main" val="4235668464"/>
       </p:ext>
     </p:extLst>
   </p:cSld>
@@ -9974,7 +9701,7 @@
           <p:cNvPr id="2" name="Tytuł 1">
             <a:extLst>
               <a:ext uri="{FF2B5EF4-FFF2-40B4-BE49-F238E27FC236}">
-                <a16:creationId xmlns:a16="http://schemas.microsoft.com/office/drawing/2014/main" xmlns="" id="{8ED3F5D5-D987-4CD0-A25C-52F18EDA9040}"/>
+                <a16:creationId xmlns="" xmlns:a16="http://schemas.microsoft.com/office/drawing/2014/main" id="{8ED3F5D5-D987-4CD0-A25C-52F18EDA9040}"/>
               </a:ext>
             </a:extLst>
           </p:cNvPr>
@@ -10053,9 +9780,6 @@
               </a:rPr>
               <a:t> </a:t>
             </a:r>
-            <a:endParaRPr lang="pl-PL" sz="2800" b="1" dirty="0" smtClean="0">
-              <a:cs typeface="Segoe UI Light"/>
-            </a:endParaRPr>
           </a:p>
         </p:txBody>
       </p:sp>
@@ -10153,11 +9877,7 @@
             </a:pPr>
             <a:r>
               <a:rPr lang="en-US" sz="1300" dirty="0" smtClean="0"/>
-              <a:t>company </a:t>
-            </a:r>
-            <a:r>
-              <a:rPr lang="en-US" sz="1300" dirty="0" smtClean="0"/>
-              <a:t>ticker from stock exchange</a:t>
+              <a:t>company ticker from stock exchange</a:t>
             </a:r>
           </a:p>
           <a:p>
@@ -10167,11 +9887,7 @@
             </a:pPr>
             <a:r>
               <a:rPr lang="en-US" sz="1300" dirty="0" smtClean="0"/>
-              <a:t>business </a:t>
-            </a:r>
-            <a:r>
-              <a:rPr lang="en-US" sz="1300" dirty="0" smtClean="0"/>
-              <a:t>sector of a company</a:t>
+              <a:t>business sector of a company</a:t>
             </a:r>
           </a:p>
           <a:p>
@@ -10183,7 +9899,6 @@
               <a:rPr lang="en-US" sz="1300" dirty="0" smtClean="0"/>
               <a:t>year</a:t>
             </a:r>
-            <a:endParaRPr lang="en-US" sz="1300" dirty="0" smtClean="0"/>
           </a:p>
           <a:p>
             <a:pPr indent="-180000">
@@ -10192,17 +9907,8 @@
             </a:pPr>
             <a:r>
               <a:rPr lang="en-US" sz="1300" dirty="0" smtClean="0"/>
-              <a:t>the </a:t>
-            </a:r>
-            <a:r>
-              <a:rPr lang="en-US" sz="1300" dirty="0" smtClean="0"/>
-              <a:t>stock exchange from which the company </a:t>
-            </a:r>
-            <a:r>
-              <a:rPr lang="en-US" sz="1300" dirty="0" smtClean="0"/>
-              <a:t>originates</a:t>
-            </a:r>
-            <a:endParaRPr lang="en-US" sz="1300" dirty="0" smtClean="0"/>
+              <a:t>the stock exchange from which the company originates</a:t>
+            </a:r>
           </a:p>
           <a:p>
             <a:pPr indent="-180000">
@@ -10211,11 +9917,7 @@
             </a:pPr>
             <a:r>
               <a:rPr lang="en-US" sz="1300" dirty="0" smtClean="0"/>
-              <a:t>total </a:t>
-            </a:r>
-            <a:r>
-              <a:rPr lang="en-US" sz="1300" dirty="0" smtClean="0"/>
-              <a:t>assets of a company</a:t>
+              <a:t>total assets of a company</a:t>
             </a:r>
           </a:p>
           <a:p>
@@ -10225,11 +9927,7 @@
             </a:pPr>
             <a:r>
               <a:rPr lang="en-US" sz="1300" dirty="0" smtClean="0"/>
-              <a:t>total </a:t>
-            </a:r>
-            <a:r>
-              <a:rPr lang="en-US" sz="1300" dirty="0" smtClean="0"/>
-              <a:t>tax expenses of a company</a:t>
+              <a:t>total tax expenses of a company</a:t>
             </a:r>
           </a:p>
           <a:p>
@@ -10239,11 +9937,7 @@
             </a:pPr>
             <a:r>
               <a:rPr lang="en-US" sz="1300" dirty="0" smtClean="0"/>
-              <a:t>pre-tax </a:t>
-            </a:r>
-            <a:r>
-              <a:rPr lang="en-US" sz="1300" dirty="0" smtClean="0"/>
-              <a:t>income of a company</a:t>
+              <a:t>pre-tax income of a company</a:t>
             </a:r>
           </a:p>
           <a:p>
@@ -10253,11 +9947,7 @@
             </a:pPr>
             <a:r>
               <a:rPr lang="en-US" sz="1300" dirty="0" smtClean="0"/>
-              <a:t>statutory </a:t>
-            </a:r>
-            <a:r>
-              <a:rPr lang="en-US" sz="1300" dirty="0" smtClean="0"/>
-              <a:t>tax rate of a company</a:t>
+              <a:t>statutory tax rate of a company</a:t>
             </a:r>
           </a:p>
           <a:p>
@@ -10267,11 +9957,7 @@
             </a:pPr>
             <a:r>
               <a:rPr lang="en-US" sz="1300" dirty="0" smtClean="0"/>
-              <a:t>research </a:t>
-            </a:r>
-            <a:r>
-              <a:rPr lang="en-US" sz="1300" dirty="0" smtClean="0"/>
-              <a:t>and development expenditure of a company</a:t>
+              <a:t>research and development expenditure of a company</a:t>
             </a:r>
           </a:p>
           <a:p>
@@ -10281,11 +9967,7 @@
             </a:pPr>
             <a:r>
               <a:rPr lang="en-US" sz="1300" dirty="0" smtClean="0"/>
-              <a:t>net </a:t>
-            </a:r>
-            <a:r>
-              <a:rPr lang="en-US" sz="1300" dirty="0" smtClean="0"/>
-              <a:t>income of a company</a:t>
+              <a:t>net income of a company</a:t>
             </a:r>
           </a:p>
           <a:p>
@@ -10295,11 +9977,7 @@
             </a:pPr>
             <a:r>
               <a:rPr lang="en-US" sz="1300" dirty="0" smtClean="0"/>
-              <a:t>property </a:t>
-            </a:r>
-            <a:r>
-              <a:rPr lang="en-US" sz="1300" dirty="0" smtClean="0"/>
-              <a:t>plant and equipment net of a company</a:t>
+              <a:t>property plant and equipment net of a company</a:t>
             </a:r>
           </a:p>
           <a:p>
@@ -10309,11 +9987,7 @@
             </a:pPr>
             <a:r>
               <a:rPr lang="en-US" sz="1300" dirty="0" smtClean="0"/>
-              <a:t>total </a:t>
-            </a:r>
-            <a:r>
-              <a:rPr lang="en-US" sz="1300" dirty="0" smtClean="0"/>
-              <a:t>intangible assets of a company</a:t>
+              <a:t>total intangible assets of a company</a:t>
             </a:r>
           </a:p>
           <a:p>
@@ -10323,11 +9997,7 @@
             </a:pPr>
             <a:r>
               <a:rPr lang="en-US" sz="1300" dirty="0" smtClean="0"/>
-              <a:t>long </a:t>
-            </a:r>
-            <a:r>
-              <a:rPr lang="en-US" sz="1300" dirty="0" smtClean="0"/>
-              <a:t>term debt of a company</a:t>
+              <a:t>long term debt of a company</a:t>
             </a:r>
           </a:p>
           <a:p>
@@ -10337,11 +10007,7 @@
             </a:pPr>
             <a:r>
               <a:rPr lang="en-US" sz="1300" dirty="0" smtClean="0"/>
-              <a:t>short </a:t>
-            </a:r>
-            <a:r>
-              <a:rPr lang="en-US" sz="1300" dirty="0" smtClean="0"/>
-              <a:t>term debt of a company</a:t>
+              <a:t>short term debt of a company</a:t>
             </a:r>
           </a:p>
           <a:p>
@@ -10351,15 +10017,7 @@
             </a:pPr>
             <a:r>
               <a:rPr lang="en-US" sz="1300" dirty="0" smtClean="0"/>
-              <a:t>capital </a:t>
-            </a:r>
-            <a:r>
-              <a:rPr lang="en-US" sz="1300" dirty="0" smtClean="0"/>
-              <a:t>expenditures of a </a:t>
-            </a:r>
-            <a:r>
-              <a:rPr lang="en-US" sz="1300" dirty="0" smtClean="0"/>
-              <a:t>company</a:t>
+              <a:t>capital expenditures of a company</a:t>
             </a:r>
             <a:endParaRPr lang="pl-PL" sz="1300" dirty="0" smtClean="0"/>
           </a:p>
@@ -10370,11 +10028,7 @@
             </a:pPr>
             <a:r>
               <a:rPr lang="en-US" sz="1300" dirty="0" smtClean="0"/>
-              <a:t>revenue </a:t>
-            </a:r>
-            <a:r>
-              <a:rPr lang="en-US" sz="1300" dirty="0" smtClean="0"/>
-              <a:t>of a company</a:t>
+              <a:t>revenue of a company</a:t>
             </a:r>
           </a:p>
           <a:p>
@@ -10413,11 +10067,7 @@
             </a:pPr>
             <a:r>
               <a:rPr lang="en-US" sz="1300" dirty="0" smtClean="0"/>
-              <a:t>cash </a:t>
-            </a:r>
-            <a:r>
-              <a:rPr lang="en-US" sz="1300" dirty="0" smtClean="0"/>
-              <a:t>and cash equivalents of a company</a:t>
+              <a:t>cash and cash equivalents of a company</a:t>
             </a:r>
           </a:p>
           <a:p>
@@ -10427,11 +10077,7 @@
             </a:pPr>
             <a:r>
               <a:rPr lang="en-US" sz="1300" dirty="0" smtClean="0"/>
-              <a:t>advertising </a:t>
-            </a:r>
-            <a:r>
-              <a:rPr lang="en-US" sz="1300" dirty="0" smtClean="0"/>
-              <a:t>expenses of a company</a:t>
+              <a:t>advertising expenses of a company</a:t>
             </a:r>
           </a:p>
           <a:p>
@@ -10441,11 +10087,7 @@
             </a:pPr>
             <a:r>
               <a:rPr lang="en-US" sz="1300" dirty="0" smtClean="0"/>
-              <a:t>effective </a:t>
-            </a:r>
-            <a:r>
-              <a:rPr lang="en-US" sz="1300" dirty="0" smtClean="0"/>
-              <a:t>tax rate of a company</a:t>
+              <a:t>effective tax rate of a company</a:t>
             </a:r>
           </a:p>
           <a:p>
@@ -10455,11 +10097,7 @@
             </a:pPr>
             <a:r>
               <a:rPr lang="en-US" sz="1300" dirty="0" smtClean="0"/>
-              <a:t>statutory </a:t>
-            </a:r>
-            <a:r>
-              <a:rPr lang="en-US" sz="1300" dirty="0" smtClean="0"/>
-              <a:t>tax rate - effective tax rate</a:t>
+              <a:t>statutory tax rate - effective tax rate</a:t>
             </a:r>
           </a:p>
           <a:p>
@@ -10469,11 +10107,7 @@
             </a:pPr>
             <a:r>
               <a:rPr lang="en-US" sz="1300" dirty="0" smtClean="0"/>
-              <a:t>control </a:t>
-            </a:r>
-            <a:r>
-              <a:rPr lang="en-US" sz="1300" dirty="0" smtClean="0"/>
-              <a:t>foreign companies by a company [yes/no]</a:t>
+              <a:t>control foreign companies by a company [yes/no]</a:t>
             </a:r>
           </a:p>
           <a:p>
@@ -10483,15 +10117,7 @@
             </a:pPr>
             <a:r>
               <a:rPr lang="en-US" sz="1300" dirty="0" smtClean="0"/>
-              <a:t>double </a:t>
-            </a:r>
-            <a:r>
-              <a:rPr lang="en-US" sz="1300" dirty="0" smtClean="0"/>
-              <a:t>taxation agreements [yes/no</a:t>
-            </a:r>
-            <a:r>
-              <a:rPr lang="en-US" sz="1300" dirty="0" smtClean="0"/>
-              <a:t>]</a:t>
+              <a:t>double taxation agreements [yes/no]</a:t>
             </a:r>
             <a:endParaRPr lang="pl-PL" sz="1300" dirty="0" smtClean="0"/>
           </a:p>
@@ -10502,11 +10128,7 @@
             </a:pPr>
             <a:r>
               <a:rPr lang="en-US" sz="1300" dirty="0" smtClean="0"/>
-              <a:t>return </a:t>
-            </a:r>
-            <a:r>
-              <a:rPr lang="en-US" sz="1300" dirty="0" smtClean="0"/>
-              <a:t>of assets of a company</a:t>
+              <a:t>return of assets of a company</a:t>
             </a:r>
           </a:p>
           <a:p>
@@ -10516,11 +10138,7 @@
             </a:pPr>
             <a:r>
               <a:rPr lang="en-US" sz="1300" dirty="0" smtClean="0"/>
-              <a:t>leverage </a:t>
-            </a:r>
-            <a:r>
-              <a:rPr lang="en-US" sz="1300" dirty="0" smtClean="0"/>
-              <a:t>of a company</a:t>
+              <a:t>leverage of a company</a:t>
             </a:r>
           </a:p>
           <a:p>
@@ -10530,11 +10148,7 @@
             </a:pPr>
             <a:r>
               <a:rPr lang="en-US" sz="1300" dirty="0" smtClean="0"/>
-              <a:t>intangible </a:t>
-            </a:r>
-            <a:r>
-              <a:rPr lang="en-US" sz="1300" dirty="0" smtClean="0"/>
-              <a:t>assets/total assets</a:t>
+              <a:t>intangible assets/total assets</a:t>
             </a:r>
           </a:p>
           <a:p>
@@ -10544,11 +10158,7 @@
             </a:pPr>
             <a:r>
               <a:rPr lang="en-US" sz="1300" dirty="0" smtClean="0"/>
-              <a:t>research </a:t>
-            </a:r>
-            <a:r>
-              <a:rPr lang="en-US" sz="1300" dirty="0" smtClean="0"/>
-              <a:t>and development expenditure/total assets</a:t>
+              <a:t>research and development expenditure/total assets</a:t>
             </a:r>
           </a:p>
           <a:p>
@@ -10558,11 +10168,7 @@
             </a:pPr>
             <a:r>
               <a:rPr lang="en-US" sz="1300" dirty="0" smtClean="0"/>
-              <a:t>property </a:t>
-            </a:r>
-            <a:r>
-              <a:rPr lang="en-US" sz="1300" dirty="0" smtClean="0"/>
-              <a:t>plant and equipment/total assets</a:t>
+              <a:t>property plant and equipment/total assets</a:t>
             </a:r>
           </a:p>
           <a:p>
@@ -10572,11 +10178,7 @@
             </a:pPr>
             <a:r>
               <a:rPr lang="en-US" sz="1300" dirty="0" smtClean="0"/>
-              <a:t>log(revenue </a:t>
-            </a:r>
-            <a:r>
-              <a:rPr lang="en-US" sz="1300" dirty="0" smtClean="0"/>
-              <a:t>of a company/total assets)</a:t>
+              <a:t>log(revenue of a company/total assets)</a:t>
             </a:r>
           </a:p>
           <a:p>
@@ -10586,11 +10188,7 @@
             </a:pPr>
             <a:r>
               <a:rPr lang="en-US" sz="1300" dirty="0" smtClean="0"/>
-              <a:t>cash </a:t>
-            </a:r>
-            <a:r>
-              <a:rPr lang="en-US" sz="1300" dirty="0" smtClean="0"/>
-              <a:t>and cash equivalents of a company/total assets</a:t>
+              <a:t>cash and cash equivalents of a company/total assets</a:t>
             </a:r>
           </a:p>
           <a:p>
@@ -10600,11 +10198,7 @@
             </a:pPr>
             <a:r>
               <a:rPr lang="en-US" sz="1300" dirty="0" smtClean="0"/>
-              <a:t>advertising </a:t>
-            </a:r>
-            <a:r>
-              <a:rPr lang="en-US" sz="1300" dirty="0" smtClean="0"/>
-              <a:t>expenses/total assets</a:t>
+              <a:t>advertising expenses/total assets</a:t>
             </a:r>
           </a:p>
           <a:p>
@@ -10618,11 +10212,7 @@
             </a:r>
             <a:r>
               <a:rPr lang="en-US" sz="1300" dirty="0" smtClean="0"/>
-              <a:t>/property </a:t>
-            </a:r>
-            <a:r>
-              <a:rPr lang="en-US" sz="1300" dirty="0" smtClean="0"/>
-              <a:t>plant and equipment</a:t>
+              <a:t>/property plant and equipment</a:t>
             </a:r>
           </a:p>
           <a:p>
@@ -10632,11 +10222,7 @@
             </a:pPr>
             <a:r>
               <a:rPr lang="en-US" sz="1300" dirty="0" smtClean="0"/>
-              <a:t>scaled </a:t>
-            </a:r>
-            <a:r>
-              <a:rPr lang="en-US" sz="1300" dirty="0" smtClean="0"/>
-              <a:t>capex2</a:t>
+              <a:t>scaled capex2</a:t>
             </a:r>
             <a:endParaRPr lang="en-US" sz="1300" dirty="0"/>
           </a:p>
@@ -10645,7 +10231,7 @@
     </p:spTree>
     <p:extLst>
       <p:ext uri="{BB962C8B-B14F-4D97-AF65-F5344CB8AC3E}">
-        <p14:creationId xmlns:p14="http://schemas.microsoft.com/office/powerpoint/2010/main" xmlns="" val="4235668464"/>
+        <p14:creationId xmlns:p14="http://schemas.microsoft.com/office/powerpoint/2010/main" val="4235668464"/>
       </p:ext>
     </p:extLst>
   </p:cSld>
@@ -10677,7 +10263,7 @@
           <p:cNvPr id="2" name="Tytuł 1">
             <a:extLst>
               <a:ext uri="{FF2B5EF4-FFF2-40B4-BE49-F238E27FC236}">
-                <a16:creationId xmlns:a16="http://schemas.microsoft.com/office/drawing/2014/main" xmlns="" id="{8ED3F5D5-D987-4CD0-A25C-52F18EDA9040}"/>
+                <a16:creationId xmlns="" xmlns:a16="http://schemas.microsoft.com/office/drawing/2014/main" id="{8ED3F5D5-D987-4CD0-A25C-52F18EDA9040}"/>
               </a:ext>
             </a:extLst>
           </p:cNvPr>
@@ -10730,13 +10316,7 @@
               <a:rPr lang="pl-PL" sz="2800" dirty="0" smtClean="0">
                 <a:cs typeface="Segoe UI Light"/>
               </a:rPr>
-              <a:t> </a:t>
-            </a:r>
-            <a:r>
-              <a:rPr lang="pl-PL" sz="2800" dirty="0" smtClean="0">
-                <a:cs typeface="Segoe UI Light"/>
-              </a:rPr>
-              <a:t>general </a:t>
+              <a:t> general </a:t>
             </a:r>
             <a:r>
               <a:rPr lang="pl-PL" sz="2800" dirty="0" err="1" smtClean="0">
@@ -10857,11 +10437,7 @@
             </a:r>
             <a:r>
               <a:rPr lang="en-US" sz="1200" dirty="0" smtClean="0"/>
-              <a:t> for the final predictions</a:t>
-            </a:r>
-            <a:r>
-              <a:rPr lang="en-US" sz="1200" dirty="0" smtClean="0"/>
-              <a:t>!</a:t>
+              <a:t> for the final predictions!</a:t>
             </a:r>
             <a:endParaRPr lang="pl-PL" sz="1200" dirty="0" smtClean="0"/>
           </a:p>
@@ -11013,8 +10589,16 @@
               <a:t>) within each model class on the training and validation set, and at the end we will evaluate their results on the test set to select </a:t>
             </a:r>
             <a:r>
-              <a:rPr lang="en-US" sz="1200" dirty="0" err="1" smtClean="0"/>
-              <a:t>chapion</a:t>
+              <a:rPr lang="en-US" sz="1200" dirty="0" smtClean="0"/>
+              <a:t>cha</a:t>
+            </a:r>
+            <a:r>
+              <a:rPr lang="pl-PL" sz="1200" dirty="0" smtClean="0"/>
+              <a:t>m</a:t>
+            </a:r>
+            <a:r>
+              <a:rPr lang="en-US" sz="1200" dirty="0" smtClean="0"/>
+              <a:t>pion</a:t>
             </a:r>
             <a:r>
               <a:rPr lang="en-US" sz="1200" dirty="0" smtClean="0"/>
@@ -11040,12 +10624,12 @@
           <a:p>
             <a:pPr indent="-180000"/>
             <a:r>
-              <a:rPr lang="pl-PL" sz="1200" dirty="0" err="1" smtClean="0"/>
-              <a:t>in</a:t>
-            </a:r>
-            <a:r>
-              <a:rPr lang="pl-PL" sz="1200" dirty="0" smtClean="0"/>
-              <a:t> </a:t>
+              <a:rPr lang="pl-PL" sz="1200" dirty="0"/>
+              <a:t>I</a:t>
+            </a:r>
+            <a:r>
+              <a:rPr lang="pl-PL" sz="1200" dirty="0" smtClean="0"/>
+              <a:t>n </a:t>
             </a:r>
             <a:r>
               <a:rPr lang="pl-PL" sz="1200" dirty="0" err="1" smtClean="0"/>
@@ -11121,11 +10705,7 @@
             </a:r>
             <a:r>
               <a:rPr lang="en-US" sz="1200" dirty="0" smtClean="0"/>
-              <a:t>we </a:t>
-            </a:r>
-            <a:r>
-              <a:rPr lang="en-US" sz="1200" dirty="0" smtClean="0"/>
-              <a:t>will treat it like a panel problem with a rolling window. </a:t>
+              <a:t>we will treat it like a panel problem with a rolling window. </a:t>
             </a:r>
           </a:p>
           <a:p>
@@ -11153,11 +10733,7 @@
             <a:pPr lvl="1" indent="-180000"/>
             <a:r>
               <a:rPr lang="en-US" sz="1200" dirty="0" smtClean="0"/>
-              <a:t>T: 2005 - 2010; V: </a:t>
-            </a:r>
-            <a:r>
-              <a:rPr lang="en-US" sz="1200" dirty="0" smtClean="0"/>
-              <a:t>2011</a:t>
+              <a:t>T: 2005 - 2010; V: 2011</a:t>
             </a:r>
           </a:p>
           <a:p>
@@ -11173,7 +10749,7 @@
     </p:spTree>
     <p:extLst>
       <p:ext uri="{BB962C8B-B14F-4D97-AF65-F5344CB8AC3E}">
-        <p14:creationId xmlns:p14="http://schemas.microsoft.com/office/powerpoint/2010/main" xmlns="" val="4235668464"/>
+        <p14:creationId xmlns:p14="http://schemas.microsoft.com/office/powerpoint/2010/main" val="4235668464"/>
       </p:ext>
     </p:extLst>
   </p:cSld>
@@ -11205,7 +10781,7 @@
           <p:cNvPr id="2" name="Tytuł 1">
             <a:extLst>
               <a:ext uri="{FF2B5EF4-FFF2-40B4-BE49-F238E27FC236}">
-                <a16:creationId xmlns:a16="http://schemas.microsoft.com/office/drawing/2014/main" xmlns="" id="{8ED3F5D5-D987-4CD0-A25C-52F18EDA9040}"/>
+                <a16:creationId xmlns="" xmlns:a16="http://schemas.microsoft.com/office/drawing/2014/main" id="{8ED3F5D5-D987-4CD0-A25C-52F18EDA9040}"/>
               </a:ext>
             </a:extLst>
           </p:cNvPr>
@@ -11263,7 +10839,7 @@
     </p:spTree>
     <p:extLst>
       <p:ext uri="{BB962C8B-B14F-4D97-AF65-F5344CB8AC3E}">
-        <p14:creationId xmlns:p14="http://schemas.microsoft.com/office/powerpoint/2010/main" xmlns="" val="4235668464"/>
+        <p14:creationId xmlns:p14="http://schemas.microsoft.com/office/powerpoint/2010/main" val="4235668464"/>
       </p:ext>
     </p:extLst>
   </p:cSld>
@@ -11295,7 +10871,7 @@
           <p:cNvPr id="2" name="Tytuł 1">
             <a:extLst>
               <a:ext uri="{FF2B5EF4-FFF2-40B4-BE49-F238E27FC236}">
-                <a16:creationId xmlns:a16="http://schemas.microsoft.com/office/drawing/2014/main" xmlns="" id="{8ED3F5D5-D987-4CD0-A25C-52F18EDA9040}"/>
+                <a16:creationId xmlns="" xmlns:a16="http://schemas.microsoft.com/office/drawing/2014/main" id="{8ED3F5D5-D987-4CD0-A25C-52F18EDA9040}"/>
               </a:ext>
             </a:extLst>
           </p:cNvPr>
@@ -11330,23 +10906,20 @@
               <a:rPr lang="pl-PL" sz="2800" b="1" dirty="0" err="1" smtClean="0">
                 <a:cs typeface="Segoe UI Light"/>
               </a:rPr>
-              <a:t>Explonatory</a:t>
+              <a:t>Exploratory</a:t>
             </a:r>
             <a:r>
               <a:rPr lang="pl-PL" sz="2800" b="1" dirty="0" smtClean="0">
                 <a:cs typeface="Segoe UI Light"/>
               </a:rPr>
-              <a:t> Data </a:t>
-            </a:r>
-            <a:r>
-              <a:rPr lang="pl-PL" sz="2800" b="1" dirty="0" err="1" smtClean="0">
+              <a:t> </a:t>
+            </a:r>
+            <a:r>
+              <a:rPr lang="pl-PL" sz="2800" b="1" dirty="0" smtClean="0">
                 <a:cs typeface="Segoe UI Light"/>
               </a:rPr>
-              <a:t>Analysis</a:t>
-            </a:r>
-            <a:endParaRPr lang="pl-PL" sz="2800" b="1" dirty="0" smtClean="0">
-              <a:cs typeface="Segoe UI Light"/>
-            </a:endParaRPr>
+              <a:t>Data Analysis</a:t>
+            </a:r>
           </a:p>
         </p:txBody>
       </p:sp>
@@ -11499,7 +11072,7 @@
     </p:spTree>
     <p:extLst>
       <p:ext uri="{BB962C8B-B14F-4D97-AF65-F5344CB8AC3E}">
-        <p14:creationId xmlns:p14="http://schemas.microsoft.com/office/powerpoint/2010/main" xmlns="" val="4235668464"/>
+        <p14:creationId xmlns:p14="http://schemas.microsoft.com/office/powerpoint/2010/main" val="4235668464"/>
       </p:ext>
     </p:extLst>
   </p:cSld>
@@ -11531,7 +11104,7 @@
           <p:cNvPr id="2" name="Tytuł 1">
             <a:extLst>
               <a:ext uri="{FF2B5EF4-FFF2-40B4-BE49-F238E27FC236}">
-                <a16:creationId xmlns:a16="http://schemas.microsoft.com/office/drawing/2014/main" xmlns="" id="{8ED3F5D5-D987-4CD0-A25C-52F18EDA9040}"/>
+                <a16:creationId xmlns="" xmlns:a16="http://schemas.microsoft.com/office/drawing/2014/main" id="{8ED3F5D5-D987-4CD0-A25C-52F18EDA9040}"/>
               </a:ext>
             </a:extLst>
           </p:cNvPr>
@@ -11566,23 +11139,20 @@
               <a:rPr lang="pl-PL" sz="2800" b="1" dirty="0" err="1" smtClean="0">
                 <a:cs typeface="Segoe UI Light"/>
               </a:rPr>
-              <a:t>Explonatory</a:t>
+              <a:t>Exploratory</a:t>
             </a:r>
             <a:r>
               <a:rPr lang="pl-PL" sz="2800" b="1" dirty="0" smtClean="0">
                 <a:cs typeface="Segoe UI Light"/>
               </a:rPr>
-              <a:t> Data </a:t>
-            </a:r>
-            <a:r>
-              <a:rPr lang="pl-PL" sz="2800" b="1" dirty="0" err="1" smtClean="0">
+              <a:t> </a:t>
+            </a:r>
+            <a:r>
+              <a:rPr lang="pl-PL" sz="2800" b="1" dirty="0" smtClean="0">
                 <a:cs typeface="Segoe UI Light"/>
               </a:rPr>
-              <a:t>Analysis</a:t>
-            </a:r>
-            <a:endParaRPr lang="pl-PL" sz="2800" b="1" dirty="0" smtClean="0">
-              <a:cs typeface="Segoe UI Light"/>
-            </a:endParaRPr>
+              <a:t>Data Analysis</a:t>
+            </a:r>
           </a:p>
         </p:txBody>
       </p:sp>
@@ -11735,7 +11305,7 @@
     </p:spTree>
     <p:extLst>
       <p:ext uri="{BB962C8B-B14F-4D97-AF65-F5344CB8AC3E}">
-        <p14:creationId xmlns:p14="http://schemas.microsoft.com/office/powerpoint/2010/main" xmlns="" val="4235668464"/>
+        <p14:creationId xmlns:p14="http://schemas.microsoft.com/office/powerpoint/2010/main" val="4235668464"/>
       </p:ext>
     </p:extLst>
   </p:cSld>
